--- a/doc.pptx
+++ b/doc.pptx
@@ -104,6 +104,11 @@
       </a:defRPr>
     </a:lvl9pPr>
   </p:defaultTextStyle>
+  <p:extLst>
+    <p:ext uri="{EFAFB233-063F-42B5-8137-9DF3F51BA10A}">
+      <p15:sldGuideLst xmlns:p15="http://schemas.microsoft.com/office/powerpoint/2012/main"/>
+    </p:ext>
+  </p:extLst>
 </p:presentation>
 </file>
 
@@ -254,7 +259,7 @@
           <a:p>
             <a:fld id="{BE9E80DD-5C06-AC41-BBD4-08396A183D54}" type="datetimeFigureOut">
               <a:rPr lang="de-DE" smtClean="0"/>
-              <a:t>14.07.19</a:t>
+              <a:t>09.08.19</a:t>
             </a:fld>
             <a:endParaRPr lang="de-DE"/>
           </a:p>
@@ -452,7 +457,7 @@
           <a:p>
             <a:fld id="{BE9E80DD-5C06-AC41-BBD4-08396A183D54}" type="datetimeFigureOut">
               <a:rPr lang="de-DE" smtClean="0"/>
-              <a:t>14.07.19</a:t>
+              <a:t>09.08.19</a:t>
             </a:fld>
             <a:endParaRPr lang="de-DE"/>
           </a:p>
@@ -660,7 +665,7 @@
           <a:p>
             <a:fld id="{BE9E80DD-5C06-AC41-BBD4-08396A183D54}" type="datetimeFigureOut">
               <a:rPr lang="de-DE" smtClean="0"/>
-              <a:t>14.07.19</a:t>
+              <a:t>09.08.19</a:t>
             </a:fld>
             <a:endParaRPr lang="de-DE"/>
           </a:p>
@@ -858,7 +863,7 @@
           <a:p>
             <a:fld id="{BE9E80DD-5C06-AC41-BBD4-08396A183D54}" type="datetimeFigureOut">
               <a:rPr lang="de-DE" smtClean="0"/>
-              <a:t>14.07.19</a:t>
+              <a:t>09.08.19</a:t>
             </a:fld>
             <a:endParaRPr lang="de-DE"/>
           </a:p>
@@ -1133,7 +1138,7 @@
           <a:p>
             <a:fld id="{BE9E80DD-5C06-AC41-BBD4-08396A183D54}" type="datetimeFigureOut">
               <a:rPr lang="de-DE" smtClean="0"/>
-              <a:t>14.07.19</a:t>
+              <a:t>09.08.19</a:t>
             </a:fld>
             <a:endParaRPr lang="de-DE"/>
           </a:p>
@@ -1398,7 +1403,7 @@
           <a:p>
             <a:fld id="{BE9E80DD-5C06-AC41-BBD4-08396A183D54}" type="datetimeFigureOut">
               <a:rPr lang="de-DE" smtClean="0"/>
-              <a:t>14.07.19</a:t>
+              <a:t>09.08.19</a:t>
             </a:fld>
             <a:endParaRPr lang="de-DE"/>
           </a:p>
@@ -1810,7 +1815,7 @@
           <a:p>
             <a:fld id="{BE9E80DD-5C06-AC41-BBD4-08396A183D54}" type="datetimeFigureOut">
               <a:rPr lang="de-DE" smtClean="0"/>
-              <a:t>14.07.19</a:t>
+              <a:t>09.08.19</a:t>
             </a:fld>
             <a:endParaRPr lang="de-DE"/>
           </a:p>
@@ -1951,7 +1956,7 @@
           <a:p>
             <a:fld id="{BE9E80DD-5C06-AC41-BBD4-08396A183D54}" type="datetimeFigureOut">
               <a:rPr lang="de-DE" smtClean="0"/>
-              <a:t>14.07.19</a:t>
+              <a:t>09.08.19</a:t>
             </a:fld>
             <a:endParaRPr lang="de-DE"/>
           </a:p>
@@ -2064,7 +2069,7 @@
           <a:p>
             <a:fld id="{BE9E80DD-5C06-AC41-BBD4-08396A183D54}" type="datetimeFigureOut">
               <a:rPr lang="de-DE" smtClean="0"/>
-              <a:t>14.07.19</a:t>
+              <a:t>09.08.19</a:t>
             </a:fld>
             <a:endParaRPr lang="de-DE"/>
           </a:p>
@@ -2375,7 +2380,7 @@
           <a:p>
             <a:fld id="{BE9E80DD-5C06-AC41-BBD4-08396A183D54}" type="datetimeFigureOut">
               <a:rPr lang="de-DE" smtClean="0"/>
-              <a:t>14.07.19</a:t>
+              <a:t>09.08.19</a:t>
             </a:fld>
             <a:endParaRPr lang="de-DE"/>
           </a:p>
@@ -2663,7 +2668,7 @@
           <a:p>
             <a:fld id="{BE9E80DD-5C06-AC41-BBD4-08396A183D54}" type="datetimeFigureOut">
               <a:rPr lang="de-DE" smtClean="0"/>
-              <a:t>14.07.19</a:t>
+              <a:t>09.08.19</a:t>
             </a:fld>
             <a:endParaRPr lang="de-DE"/>
           </a:p>
@@ -2904,7 +2909,7 @@
           <a:p>
             <a:fld id="{BE9E80DD-5C06-AC41-BBD4-08396A183D54}" type="datetimeFigureOut">
               <a:rPr lang="de-DE" smtClean="0"/>
-              <a:t>14.07.19</a:t>
+              <a:t>09.08.19</a:t>
             </a:fld>
             <a:endParaRPr lang="de-DE"/>
           </a:p>
@@ -3833,7 +3838,7 @@
         </p:nvSpPr>
         <p:spPr>
           <a:xfrm>
-            <a:off x="9998526" y="533388"/>
+            <a:off x="10020297" y="1221328"/>
             <a:ext cx="720000" cy="540000"/>
           </a:xfrm>
           <a:prstGeom prst="rect">
@@ -3982,7 +3987,7 @@
         </p:nvSpPr>
         <p:spPr>
           <a:xfrm>
-            <a:off x="5926174" y="3443171"/>
+            <a:off x="6395329" y="2921780"/>
             <a:ext cx="720000" cy="540000"/>
           </a:xfrm>
           <a:prstGeom prst="rect">
@@ -4022,6 +4027,188 @@
               <a:rPr lang="de-DE" sz="1200" dirty="0" err="1"/>
               <a:t>Frontier</a:t>
             </a:r>
+            <a:endParaRPr lang="de-DE" sz="1200" dirty="0"/>
+          </a:p>
+        </p:txBody>
+      </p:sp>
+      <p:sp>
+        <p:nvSpPr>
+          <p:cNvPr id="2" name="Rechteck 1">
+            <a:extLst>
+              <a:ext uri="{FF2B5EF4-FFF2-40B4-BE49-F238E27FC236}">
+                <a16:creationId xmlns:a16="http://schemas.microsoft.com/office/drawing/2014/main" id="{76FA21D0-9071-2340-B370-0D6EA8F3C984}"/>
+              </a:ext>
+            </a:extLst>
+          </p:cNvPr>
+          <p:cNvSpPr/>
+          <p:nvPr/>
+        </p:nvSpPr>
+        <p:spPr>
+          <a:xfrm>
+            <a:off x="8806542" y="3156857"/>
+            <a:ext cx="2558143" cy="1796143"/>
+          </a:xfrm>
+          <a:prstGeom prst="rect">
+            <a:avLst/>
+          </a:prstGeom>
+        </p:spPr>
+        <p:style>
+          <a:lnRef idx="2">
+            <a:schemeClr val="accent1">
+              <a:shade val="50000"/>
+            </a:schemeClr>
+          </a:lnRef>
+          <a:fillRef idx="1">
+            <a:schemeClr val="accent1"/>
+          </a:fillRef>
+          <a:effectRef idx="0">
+            <a:schemeClr val="accent1"/>
+          </a:effectRef>
+          <a:fontRef idx="minor">
+            <a:schemeClr val="lt1"/>
+          </a:fontRef>
+        </p:style>
+        <p:txBody>
+          <a:bodyPr rtlCol="0" anchor="ctr"/>
+          <a:lstStyle/>
+          <a:p>
+            <a:pPr algn="ctr"/>
+            <a:r>
+              <a:rPr lang="de-DE" dirty="0"/>
+              <a:t>Basic Investment </a:t>
+            </a:r>
+            <a:r>
+              <a:rPr lang="de-DE" dirty="0" err="1"/>
+              <a:t>Steps</a:t>
+            </a:r>
+            <a:endParaRPr lang="de-DE" dirty="0"/>
+          </a:p>
+          <a:p>
+            <a:pPr marL="228600" indent="-228600">
+              <a:buAutoNum type="arabicPeriod"/>
+            </a:pPr>
+            <a:r>
+              <a:rPr lang="de-CH" sz="1200" dirty="0"/>
+              <a:t>Definition </a:t>
+            </a:r>
+            <a:r>
+              <a:rPr lang="de-CH" sz="1200" dirty="0" err="1"/>
+              <a:t>of</a:t>
+            </a:r>
+            <a:r>
+              <a:rPr lang="de-CH" sz="1200" dirty="0"/>
+              <a:t> </a:t>
+            </a:r>
+            <a:r>
+              <a:rPr lang="de-CH" sz="1200" dirty="0" err="1"/>
+              <a:t>the</a:t>
+            </a:r>
+            <a:r>
+              <a:rPr lang="de-CH" sz="1200" dirty="0"/>
+              <a:t> </a:t>
+            </a:r>
+            <a:r>
+              <a:rPr lang="de-CH" sz="1200" dirty="0" err="1"/>
+              <a:t>investment</a:t>
+            </a:r>
+            <a:r>
+              <a:rPr lang="de-CH" sz="1200" dirty="0"/>
+              <a:t> </a:t>
+            </a:r>
+            <a:r>
+              <a:rPr lang="de-CH" sz="1200" dirty="0" err="1"/>
+              <a:t>universe</a:t>
+            </a:r>
+            <a:br>
+              <a:rPr lang="de-CH" sz="1200" dirty="0"/>
+            </a:br>
+            <a:r>
+              <a:rPr lang="de-CH" sz="1200" dirty="0"/>
+              <a:t>2. </a:t>
+            </a:r>
+            <a:r>
+              <a:rPr lang="de-CH" sz="1200" dirty="0" err="1"/>
+              <a:t>Construction</a:t>
+            </a:r>
+            <a:r>
+              <a:rPr lang="de-CH" sz="1200" dirty="0"/>
+              <a:t> </a:t>
+            </a:r>
+            <a:r>
+              <a:rPr lang="de-CH" sz="1200" dirty="0" err="1"/>
+              <a:t>of</a:t>
+            </a:r>
+            <a:r>
+              <a:rPr lang="de-CH" sz="1200" dirty="0"/>
+              <a:t> </a:t>
+            </a:r>
+            <a:r>
+              <a:rPr lang="de-CH" sz="1200" dirty="0" err="1"/>
+              <a:t>the</a:t>
+            </a:r>
+            <a:r>
+              <a:rPr lang="de-CH" sz="1200" dirty="0"/>
+              <a:t> optimal </a:t>
+            </a:r>
+            <a:r>
+              <a:rPr lang="de-CH" sz="1200" dirty="0" err="1"/>
+              <a:t>investment</a:t>
+            </a:r>
+            <a:r>
+              <a:rPr lang="de-CH" sz="1200" dirty="0"/>
+              <a:t> </a:t>
+            </a:r>
+            <a:r>
+              <a:rPr lang="de-CH" sz="1200" dirty="0" err="1"/>
+              <a:t>strategy</a:t>
+            </a:r>
+            <a:r>
+              <a:rPr lang="de-CH" sz="1200" dirty="0"/>
+              <a:t> </a:t>
+            </a:r>
+          </a:p>
+          <a:p>
+            <a:pPr marL="228600" indent="-228600">
+              <a:buAutoNum type="arabicPeriod"/>
+            </a:pPr>
+            <a:r>
+              <a:rPr lang="de-CH" sz="1200" dirty="0"/>
+              <a:t>3. </a:t>
+            </a:r>
+            <a:r>
+              <a:rPr lang="de-CH" sz="1200" dirty="0" err="1"/>
+              <a:t>Adjustment</a:t>
+            </a:r>
+            <a:r>
+              <a:rPr lang="de-CH" sz="1200" dirty="0"/>
+              <a:t> </a:t>
+            </a:r>
+            <a:r>
+              <a:rPr lang="de-CH" sz="1200" dirty="0" err="1"/>
+              <a:t>and</a:t>
+            </a:r>
+            <a:r>
+              <a:rPr lang="de-CH" sz="1200" dirty="0"/>
+              <a:t> </a:t>
+            </a:r>
+            <a:r>
+              <a:rPr lang="de-CH" sz="1200" dirty="0" err="1"/>
+              <a:t>rebalancing</a:t>
+            </a:r>
+            <a:r>
+              <a:rPr lang="de-CH" sz="1200" dirty="0"/>
+              <a:t> </a:t>
+            </a:r>
+            <a:r>
+              <a:rPr lang="de-CH" sz="1200" dirty="0" err="1"/>
+              <a:t>over</a:t>
+            </a:r>
+            <a:r>
+              <a:rPr lang="de-CH" sz="1200" dirty="0"/>
+              <a:t> time </a:t>
+            </a:r>
+          </a:p>
+          <a:p>
             <a:endParaRPr lang="de-DE" sz="1200" dirty="0"/>
           </a:p>
         </p:txBody>
